--- a/asa-presentation-2021-denver.pptx
+++ b/asa-presentation-2021-denver.pptx
@@ -10,6 +10,8 @@
     <p:sldId id="258" r:id="rId4"/>
     <p:sldId id="259" r:id="rId5"/>
     <p:sldId id="260" r:id="rId6"/>
+    <p:sldId id="261" r:id="rId7"/>
+    <p:sldId id="262" r:id="rId8"/>
   </p:sldIdLst>
   <p:sldSz cx="9144000" cy="6858000" type="screen4x3"/>
   <p:notesSz cx="6858000" cy="9144000"/>
@@ -3135,39 +3137,39 @@
             </a:pPr>
             <a:r>
               <a:rPr/>
-              <a:t>Management</a:t>
-            </a:r>
-            <a:r>
-              <a:rPr/>
-              <a:t> </a:t>
-            </a:r>
-            <a:r>
-              <a:rPr/>
-              <a:t>of</a:t>
-            </a:r>
-            <a:r>
-              <a:rPr/>
-              <a:t> </a:t>
-            </a:r>
-            <a:r>
-              <a:rPr/>
-              <a:t>Herbivorous</a:t>
-            </a:r>
-            <a:r>
-              <a:rPr/>
-              <a:t> </a:t>
-            </a:r>
-            <a:r>
-              <a:rPr/>
-              <a:t>Mites</a:t>
-            </a:r>
-            <a:r>
-              <a:rPr/>
-              <a:t> </a:t>
-            </a:r>
-            <a:r>
-              <a:rPr/>
-              <a:t>of</a:t>
+              <a:t>Motivation:</a:t>
+            </a:r>
+            <a:r>
+              <a:rPr/>
+              <a:t> </a:t>
+            </a:r>
+            <a:r>
+              <a:rPr/>
+              <a:t>Exploring</a:t>
+            </a:r>
+            <a:r>
+              <a:rPr/>
+              <a:t> </a:t>
+            </a:r>
+            <a:r>
+              <a:rPr/>
+              <a:t>Methods</a:t>
+            </a:r>
+            <a:r>
+              <a:rPr/>
+              <a:t> </a:t>
+            </a:r>
+            <a:r>
+              <a:rPr/>
+              <a:t>to</a:t>
+            </a:r>
+            <a:r>
+              <a:rPr/>
+              <a:t> </a:t>
+            </a:r>
+            <a:r>
+              <a:rPr/>
+              <a:t>Control</a:t>
             </a:r>
             <a:r>
               <a:rPr/>
@@ -3183,143 +3185,6 @@
             </a:r>
             <a:r>
               <a:rPr/>
-              <a:t>with</a:t>
-            </a:r>
-            <a:r>
-              <a:rPr/>
-              <a:t> </a:t>
-            </a:r>
-            <a:r>
-              <a:rPr/>
-              <a:t>Predatory</a:t>
-            </a:r>
-            <a:r>
-              <a:rPr/>
-              <a:t> </a:t>
-            </a:r>
-            <a:r>
-              <a:rPr/>
-              <a:t>Mites</a:t>
-            </a:r>
-            <a:r>
-              <a:rPr/>
-              <a:t> </a:t>
-            </a:r>
-            <a:r>
-              <a:rPr/>
-              <a:t>and</a:t>
-            </a:r>
-            <a:r>
-              <a:rPr/>
-              <a:t> </a:t>
-            </a:r>
-            <a:r>
-              <a:rPr/>
-              <a:t>Systemic</a:t>
-            </a:r>
-            <a:r>
-              <a:rPr/>
-              <a:t> </a:t>
-            </a:r>
-            <a:r>
-              <a:rPr/>
-              <a:t>Acquired</a:t>
-            </a:r>
-            <a:r>
-              <a:rPr/>
-              <a:t> </a:t>
-            </a:r>
-            <a:r>
-              <a:rPr/>
-              <a:t>Resistance</a:t>
-            </a:r>
-          </a:p>
-        </p:txBody>
-      </p:sp>
-      <p:sp>
-        <p:nvSpPr>
-          <p:cNvPr id="3" name="Content Placeholder 2"/>
-          <p:cNvSpPr>
-            <a:spLocks noGrp="1"/>
-          </p:cNvSpPr>
-          <p:nvPr>
-            <p:ph idx="1"/>
-          </p:nvPr>
-        </p:nvSpPr>
-        <p:spPr/>
-        <p:txBody>
-          <a:bodyPr/>
-          <a:lstStyle/>
-          <a:p>
-            <a:pPr lvl="0" marL="0" indent="0">
-              <a:buNone/>
-            </a:pPr>
-            <a:r>
-              <a:rPr/>
-              <a:t>Austin Fife, Gary Knox, Xavier Martini, Mathews Paret</a:t>
-            </a:r>
-          </a:p>
-          <a:p>
-            <a:pPr lvl="0" marL="0" indent="0">
-              <a:buNone/>
-            </a:pPr>
-            <a:r>
-              <a:rPr/>
-              <a:t>What is my main takeaway? - Spirotetramat (Kontos) works, other combos do not</a:t>
-            </a:r>
-          </a:p>
-        </p:txBody>
-      </p:sp>
-    </p:spTree>
-  </p:cSld>
-</p:sld>
-</file>
-
-<file path=ppt/slides/slide2.xml><?xml version="1.0" encoding="utf-8"?>
-<p:sld xmlns:a="http://schemas.openxmlformats.org/drawingml/2006/main" xmlns:r="http://schemas.openxmlformats.org/officeDocument/2006/relationships" xmlns:p="http://schemas.openxmlformats.org/presentationml/2006/main">
-  <p:cSld>
-    <p:spTree>
-      <p:nvGrpSpPr>
-        <p:cNvPr id="1" name=""/>
-        <p:cNvGrpSpPr/>
-        <p:nvPr/>
-      </p:nvGrpSpPr>
-      <p:grpSpPr>
-        <a:xfrm>
-          <a:off x="0" y="0"/>
-          <a:ext cx="0" cy="0"/>
-          <a:chOff x="0" y="0"/>
-          <a:chExt cx="0" cy="0"/>
-        </a:xfrm>
-      </p:grpSpPr>
-      <p:sp>
-        <p:nvSpPr>
-          <p:cNvPr id="2" name="Title 1"/>
-          <p:cNvSpPr>
-            <a:spLocks noGrp="1"/>
-          </p:cNvSpPr>
-          <p:nvPr>
-            <p:ph type="title"/>
-          </p:nvPr>
-        </p:nvSpPr>
-        <p:spPr/>
-        <p:txBody>
-          <a:bodyPr/>
-          <a:lstStyle/>
-          <a:p>
-            <a:pPr lvl="0" marL="0" indent="0">
-              <a:buNone/>
-            </a:pPr>
-            <a:r>
-              <a:rPr/>
-              <a:t>Rose</a:t>
-            </a:r>
-            <a:r>
-              <a:rPr/>
-              <a:t> </a:t>
-            </a:r>
-            <a:r>
-              <a:rPr/>
               <a:t>Rosette</a:t>
             </a:r>
             <a:r>
@@ -3329,46 +3194,6 @@
             <a:r>
               <a:rPr/>
               <a:t>Disease</a:t>
-            </a:r>
-            <a:r>
-              <a:rPr/>
-              <a:t> </a:t>
-            </a:r>
-            <a:r>
-              <a:rPr/>
-              <a:t>continues</a:t>
-            </a:r>
-            <a:r>
-              <a:rPr/>
-              <a:t> </a:t>
-            </a:r>
-            <a:r>
-              <a:rPr/>
-              <a:t>to</a:t>
-            </a:r>
-            <a:r>
-              <a:rPr/>
-              <a:t> </a:t>
-            </a:r>
-            <a:r>
-              <a:rPr/>
-              <a:t>kill</a:t>
-            </a:r>
-            <a:r>
-              <a:rPr/>
-              <a:t> </a:t>
-            </a:r>
-            <a:r>
-              <a:rPr/>
-              <a:t>our</a:t>
-            </a:r>
-            <a:r>
-              <a:rPr/>
-              <a:t> </a:t>
-            </a:r>
-            <a:r>
-              <a:rPr/>
-              <a:t>roses</a:t>
             </a:r>
           </a:p>
         </p:txBody>
@@ -3702,6 +3527,53 @@
 </p:sld>
 </file>
 
+<file path=ppt/slides/slide2.xml><?xml version="1.0" encoding="utf-8"?>
+<p:sld xmlns:a="http://schemas.openxmlformats.org/drawingml/2006/main" xmlns:r="http://schemas.openxmlformats.org/officeDocument/2006/relationships" xmlns:p="http://schemas.openxmlformats.org/presentationml/2006/main">
+  <p:cSld>
+    <p:spTree>
+      <p:nvGrpSpPr>
+        <p:cNvPr id="1" name=""/>
+        <p:cNvGrpSpPr/>
+        <p:nvPr/>
+      </p:nvGrpSpPr>
+      <p:grpSpPr>
+        <a:xfrm>
+          <a:off x="0" y="0"/>
+          <a:ext cx="0" cy="0"/>
+          <a:chOff x="0" y="0"/>
+          <a:chExt cx="0" cy="0"/>
+        </a:xfrm>
+      </p:grpSpPr>
+      <p:sp>
+        <p:nvSpPr>
+          <p:cNvPr id="3" name="Content Placeholder 2"/>
+          <p:cNvSpPr>
+            <a:spLocks noGrp="1"/>
+          </p:cNvSpPr>
+          <p:nvPr>
+            <p:ph idx="1"/>
+          </p:nvPr>
+        </p:nvSpPr>
+        <p:spPr/>
+        <p:txBody>
+          <a:bodyPr/>
+          <a:lstStyle/>
+          <a:p>
+            <a:pPr lvl="0" marL="0" indent="0">
+              <a:buNone/>
+            </a:pPr>
+            <a:r>
+              <a:rPr/>
+              <a:t> Austin Fife, Gary Knox, Xavier Martini, Mathews Paret</a:t>
+            </a:r>
+          </a:p>
+        </p:txBody>
+      </p:sp>
+    </p:spTree>
+  </p:cSld>
+</p:sld>
+</file>
+
 <file path=ppt/slides/slide3.xml><?xml version="1.0" encoding="utf-8"?>
 <p:sld xmlns:a="http://schemas.openxmlformats.org/drawingml/2006/main" xmlns:r="http://schemas.openxmlformats.org/officeDocument/2006/relationships" xmlns:p="http://schemas.openxmlformats.org/presentationml/2006/main">
   <p:cSld>
@@ -3738,196 +3610,16 @@
               <a:buNone/>
             </a:pPr>
             <a:r>
-              <a:rPr i="1"/>
-              <a:t>P.</a:t>
-            </a:r>
-            <a:r>
-              <a:rPr i="1"/>
-              <a:t> </a:t>
-            </a:r>
-            <a:r>
-              <a:rPr i="1"/>
-              <a:t>fructiphilius</a:t>
-            </a:r>
-            <a:r>
-              <a:rPr/>
-              <a:t> </a:t>
-            </a:r>
-            <a:r>
-              <a:rPr/>
-              <a:t>are</a:t>
-            </a:r>
-            <a:r>
-              <a:rPr/>
-              <a:t> </a:t>
-            </a:r>
-            <a:r>
-              <a:rPr/>
-              <a:t>moving</a:t>
-            </a:r>
-            <a:r>
-              <a:rPr/>
-              <a:t> </a:t>
-            </a:r>
-            <a:r>
-              <a:rPr/>
-              <a:t>southwards</a:t>
-            </a:r>
-            <a:r>
-              <a:rPr/>
-              <a:t> </a:t>
-            </a:r>
-            <a:r>
-              <a:rPr/>
-              <a:t>into</a:t>
-            </a:r>
-            <a:r>
-              <a:rPr/>
-              <a:t> </a:t>
-            </a:r>
-            <a:r>
-              <a:rPr/>
-              <a:t>Florida</a:t>
-            </a:r>
-          </a:p>
-        </p:txBody>
-      </p:sp>
-      <p:pic>
-        <p:nvPicPr>
-          <p:cNvPr descr="figure/rrv_survey_map_fl_pf.png" id="0" name="Picture 1"/>
-          <p:cNvPicPr>
-            <a:picLocks noGrp="1" noChangeAspect="1"/>
-          </p:cNvPicPr>
-          <p:nvPr/>
-        </p:nvPicPr>
-        <p:blipFill>
-          <a:blip r:embed="rId2"/>
-          <a:stretch>
-            <a:fillRect/>
-          </a:stretch>
-        </p:blipFill>
-        <p:spPr bwMode="auto">
-          <a:xfrm>
-            <a:off x="1892300" y="1600200"/>
-            <a:ext cx="5346700" cy="4013200"/>
-          </a:xfrm>
-          <a:prstGeom prst="rect">
-            <a:avLst/>
-          </a:prstGeom>
-          <a:noFill/>
-          <a:ln w="9525">
-            <a:noFill/>
-            <a:headEnd/>
-            <a:tailEnd/>
-          </a:ln>
-        </p:spPr>
-      </p:pic>
-      <p:sp>
-        <p:nvSpPr>
-          <p:cNvPr id="1" name="TextBox 3"/>
-          <p:cNvSpPr txBox="1"/>
-          <p:nvPr/>
-        </p:nvSpPr>
-        <p:spPr>
-          <a:xfrm>
-            <a:off x="457200" y="5613400"/>
-            <a:ext cx="8229600" cy="508000"/>
-          </a:xfrm>
-          <a:prstGeom prst="rect">
-            <a:avLst/>
-          </a:prstGeom>
-          <a:noFill/>
-        </p:spPr>
-        <p:txBody>
-          <a:bodyPr/>
-          <a:lstStyle/>
-          <a:p>
-            <a:pPr lvl="0" marL="0" indent="0" algn="ctr">
-              <a:buNone/>
-            </a:pPr>
-            <a:r>
-              <a:rPr i="1"/>
-              <a:t>P.</a:t>
-            </a:r>
-            <a:r>
-              <a:rPr i="1"/>
-              <a:t> </a:t>
-            </a:r>
-            <a:r>
-              <a:rPr i="1"/>
-              <a:t>fructiphilus</a:t>
-            </a:r>
-            <a:r>
-              <a:rPr/>
-              <a:t> </a:t>
-            </a:r>
-            <a:r>
-              <a:rPr/>
-              <a:t>mites</a:t>
-            </a:r>
-            <a:r>
-              <a:rPr/>
-              <a:t> </a:t>
-            </a:r>
-            <a:r>
-              <a:rPr/>
-              <a:t>recovered</a:t>
-            </a:r>
-            <a:r>
-              <a:rPr/>
-              <a:t> </a:t>
-            </a:r>
-            <a:r>
-              <a:rPr/>
-              <a:t>during</a:t>
-            </a:r>
-            <a:r>
-              <a:rPr/>
-              <a:t> </a:t>
-            </a:r>
-            <a:r>
-              <a:rPr/>
-              <a:t>surveys</a:t>
-            </a:r>
-            <a:r>
-              <a:rPr/>
-              <a:t> </a:t>
-            </a:r>
-            <a:r>
-              <a:rPr/>
-              <a:t>of</a:t>
-            </a:r>
-            <a:r>
-              <a:rPr/>
-              <a:t> </a:t>
-            </a:r>
-            <a:r>
-              <a:rPr/>
-              <a:t>roses</a:t>
-            </a:r>
-            <a:r>
-              <a:rPr/>
-              <a:t> </a:t>
-            </a:r>
-            <a:r>
-              <a:rPr/>
-              <a:t>in</a:t>
-            </a:r>
-            <a:r>
-              <a:rPr/>
-              <a:t> </a:t>
-            </a:r>
-            <a:r>
-              <a:rPr/>
-              <a:t>Florida,</a:t>
-            </a:r>
-            <a:r>
-              <a:rPr/>
-              <a:t> </a:t>
-            </a:r>
-            <a:r>
-              <a:rPr/>
-              <a:t>2017-2021.</a:t>
+              <a:rPr/>
+              <a:t>Orientation</a:t>
+            </a:r>
+            <a:r>
+              <a:rPr/>
+              <a:t> </a:t>
+            </a:r>
+            <a:r>
+              <a:rPr/>
+              <a:t>Slide:</a:t>
             </a:r>
           </a:p>
         </p:txBody>
@@ -3956,12 +3648,12 @@
       </p:grpSpPr>
       <p:sp>
         <p:nvSpPr>
-          <p:cNvPr id="3" name="Content Placeholder 2"/>
-          <p:cNvSpPr>
-            <a:spLocks noGrp="1"/>
-          </p:cNvSpPr>
-          <p:nvPr>
-            <p:ph idx="1"/>
+          <p:cNvPr id="2" name="Title 1"/>
+          <p:cNvSpPr>
+            <a:spLocks noGrp="1"/>
+          </p:cNvSpPr>
+          <p:nvPr>
+            <p:ph type="title"/>
           </p:nvPr>
         </p:nvSpPr>
         <p:spPr/>
@@ -3974,23 +3666,67 @@
             </a:pPr>
             <a:r>
               <a:rPr/>
-              <a:t> - Check out </a:t>
-            </a:r>
-            <a:r>
-              <a:rPr/>
-              <a:t>Monterrosa et al.</a:t>
-            </a:r>
-            <a:r>
-              <a:rPr/>
-              <a:t> (</a:t>
-            </a:r>
-            <a:r>
-              <a:rPr/>
-              <a:t>2021</a:t>
-            </a:r>
-            <a:r>
-              <a:rPr/>
-              <a:t>)</a:t>
+              <a:t>Hypothesis:</a:t>
+            </a:r>
+            <a:r>
+              <a:rPr/>
+              <a:t> </a:t>
+            </a:r>
+            <a:r>
+              <a:rPr/>
+              <a:t>Can</a:t>
+            </a:r>
+            <a:r>
+              <a:rPr/>
+              <a:t> </a:t>
+            </a:r>
+            <a:r>
+              <a:rPr/>
+              <a:t>SAR</a:t>
+            </a:r>
+            <a:r>
+              <a:rPr/>
+              <a:t> </a:t>
+            </a:r>
+            <a:r>
+              <a:rPr/>
+              <a:t>Reduce</a:t>
+            </a:r>
+            <a:r>
+              <a:rPr/>
+              <a:t> </a:t>
+            </a:r>
+            <a:r>
+              <a:rPr/>
+              <a:t>Populations</a:t>
+            </a:r>
+            <a:r>
+              <a:rPr/>
+              <a:t> </a:t>
+            </a:r>
+            <a:r>
+              <a:rPr/>
+              <a:t>of</a:t>
+            </a:r>
+            <a:r>
+              <a:rPr/>
+              <a:t> </a:t>
+            </a:r>
+            <a:r>
+              <a:rPr i="1"/>
+              <a:t>P.</a:t>
+            </a:r>
+            <a:r>
+              <a:rPr i="1"/>
+              <a:t> </a:t>
+            </a:r>
+            <a:r>
+              <a:rPr i="1"/>
+              <a:t>fructiphilus</a:t>
+            </a:r>
+            <a:r>
+              <a:rPr/>
+              <a:t>?</a:t>
             </a:r>
           </a:p>
         </p:txBody>
@@ -4037,75 +3773,84 @@
             </a:pPr>
             <a:r>
               <a:rPr/>
-              <a:t>Plant</a:t>
-            </a:r>
-            <a:r>
-              <a:rPr/>
-              <a:t> </a:t>
-            </a:r>
-            <a:r>
-              <a:rPr/>
-              <a:t>defenses</a:t>
-            </a:r>
-            <a:r>
-              <a:rPr/>
-              <a:t> </a:t>
-            </a:r>
-            <a:r>
-              <a:rPr/>
-              <a:t>slow</a:t>
-            </a:r>
-            <a:r>
-              <a:rPr/>
-              <a:t> </a:t>
-            </a:r>
-            <a:r>
-              <a:rPr/>
-              <a:t>the</a:t>
-            </a:r>
-            <a:r>
-              <a:rPr/>
-              <a:t> </a:t>
-            </a:r>
-            <a:r>
-              <a:rPr/>
-              <a:t>progress</a:t>
-            </a:r>
-            <a:r>
-              <a:rPr/>
-              <a:t> </a:t>
-            </a:r>
-            <a:r>
-              <a:rPr/>
-              <a:t>of</a:t>
-            </a:r>
-            <a:r>
-              <a:rPr/>
-              <a:t> </a:t>
-            </a:r>
-            <a:r>
-              <a:rPr/>
-              <a:t>RRD</a:t>
-            </a:r>
-            <a:r>
-              <a:rPr/>
-              <a:t> </a:t>
-            </a:r>
-            <a:r>
-              <a:rPr/>
-              <a:t>infection</a:t>
-            </a:r>
-          </a:p>
-        </p:txBody>
-      </p:sp>
-      <p:sp>
-        <p:nvSpPr>
-          <p:cNvPr id="3" name="Content Placeholder 2"/>
-          <p:cNvSpPr>
-            <a:spLocks noGrp="1"/>
-          </p:cNvSpPr>
-          <p:nvPr>
-            <p:ph idx="1"/>
+              <a:t>Hypothesis:</a:t>
+            </a:r>
+            <a:r>
+              <a:rPr/>
+              <a:t> </a:t>
+            </a:r>
+            <a:r>
+              <a:rPr/>
+              <a:t>Will</a:t>
+            </a:r>
+            <a:r>
+              <a:rPr/>
+              <a:t> </a:t>
+            </a:r>
+            <a:r>
+              <a:rPr/>
+              <a:t>SAR</a:t>
+            </a:r>
+            <a:r>
+              <a:rPr/>
+              <a:t> </a:t>
+            </a:r>
+            <a:r>
+              <a:rPr/>
+              <a:t>Kill</a:t>
+            </a:r>
+            <a:r>
+              <a:rPr/>
+              <a:t> </a:t>
+            </a:r>
+            <a:r>
+              <a:rPr/>
+              <a:t>Predatory</a:t>
+            </a:r>
+            <a:r>
+              <a:rPr/>
+              <a:t> </a:t>
+            </a:r>
+            <a:r>
+              <a:rPr/>
+              <a:t>Mites?</a:t>
+            </a:r>
+          </a:p>
+        </p:txBody>
+      </p:sp>
+    </p:spTree>
+  </p:cSld>
+</p:sld>
+</file>
+
+<file path=ppt/slides/slide6.xml><?xml version="1.0" encoding="UTF-8"?><p:sld xmlns:a="http://schemas.openxmlformats.org/drawingml/2006/main" xmlns:r="http://schemas.openxmlformats.org/officeDocument/2006/relationships" xmlns:p="http://schemas.openxmlformats.org/presentationml/2006/main"><p:cSld><p:spTree><p:nvGrpSpPr><p:cNvPr id="1" name="" /><p:cNvGrpSpPr /><p:nvPr /></p:nvGrpSpPr><p:grpSpPr><a:xfrm><a:off x="0" y="0" /><a:ext cx="0" cy="0" /><a:chOff x="0" y="0" /><a:chExt cx="0" cy="0" /></a:xfrm></p:grpSpPr><p:sp><p:nvSpPr><p:cNvPr id="2" name="Title 1" /><p:cNvSpPr><a:spLocks noGrp="1" /></p:cNvSpPr><p:nvPr><p:ph type="title" /></p:nvPr></p:nvSpPr><p:spPr /><p:txBody><a:bodyPr /><a:lstStyle /><a:p><a:pPr lvl="0" marL="0" indent="0"><a:buNone /></a:pPr><a:r><a:rPr /><a:t>Results:</a:t></a:r><a:r><a:rPr /><a:t> </a:t></a:r><a:r><a:rPr /><a:t>Inducing</a:t></a:r><a:r><a:rPr /><a:t> </a:t></a:r><a:r><a:rPr /><a:t>SAR</a:t></a:r><a:r><a:rPr /><a:t> </a:t></a:r><a:r><a:rPr /><a:t>with</a:t></a:r><a:r><a:rPr /><a:t> </a:t></a:r><a:r><a:rPr /><a:t>Acibenzolar-S-Methyl</a:t></a:r><a:r><a:rPr /><a:t> </a:t></a:r><a:r><a:rPr /><a:t>seemed</a:t></a:r><a:r><a:rPr /><a:t> </a:t></a:r><a:r><a:rPr /><a:t>to</a:t></a:r><a:r><a:rPr /><a:t> </a:t></a:r><a:r><a:rPr /><a:t>work…</a:t></a:r></a:p></p:txBody></p:sp><p:pic><p:nvPicPr><p:cNvPr descr="figure/actigard_graph.png" id="0" name="Picture 1" /><p:cNvPicPr><a:picLocks noGrp="1" noChangeAspect="1" /></p:cNvPicPr><p:nvPr /></p:nvPicPr><p:blipFill><a:blip r:embed="rId2" /><a:stretch><a:fillRect /></a:stretch></p:blipFill><p:spPr bwMode="auto"><a:xfrm><a:off x="1003300" y="1600200" /><a:ext cx="7137400" cy="4013200" /></a:xfrm><a:prstGeom prst="rect"><a:avLst /></a:prstGeom><a:noFill /><a:ln w="9525"><a:noFill /><a:headEnd /><a:tailEnd /></a:ln></p:spPr></p:pic><p:sp><p:nvSpPr><p:cNvPr id="1" name="TextBox 3" /><p:cNvSpPr txBox="1" /><p:nvPr /></p:nvSpPr><p:spPr><a:xfrm><a:off x="457200" y="5613400" /><a:ext cx="8229600" cy="508000" /></a:xfrm><a:prstGeom prst="rect"><a:avLst /></a:prstGeom><a:noFill /></p:spPr><p:txBody><a:bodyPr /><a:lstStyle /><a:p><a:pPr lvl="0" marL="0" indent="0" algn="ctr"><a:buNone /></a:pPr><a:r><a:rPr /><a:t>SAR-induction</a:t></a:r><a:r><a:rPr /><a:t> </a:t></a:r><a:r><a:rPr /><a:t>trials</a:t></a:r><a:r><a:rPr /><a:t> </a:t></a:r><a:r><a:rPr /><a:t>on</a:t></a:r><a:r><a:rPr /><a:t> </a:t></a:r><a:r><a:rPr /><a:t>Pink</a:t></a:r><a:r><a:rPr /><a:t> </a:t></a:r><a:r><a:rPr /><a:t>Double</a:t></a:r><a:r><a:rPr /><a:t> </a:t></a:r><a:r><a:rPr /><a:t>Knock</a:t></a:r><a:r><a:rPr /><a:t> </a:t></a:r><a:r><a:rPr /><a:t>Out®</a:t></a:r><a:r><a:rPr /><a:t> </a:t></a:r><a:r><a:rPr /><a:t>roses</a:t></a:r><a:r><a:rPr /><a:t> </a:t></a:r><a:r><a:rPr /><a:t>to</a:t></a:r><a:r><a:rPr /><a:t> </a:t></a:r><a:r><a:rPr /><a:t>control</a:t></a:r><a:r><a:rPr /><a:t> </a:t></a:r><a:r><a:rPr /><a:t> </a:t></a:r><a:r><a:rPr /><a:t>in</a:t></a:r><a:r><a:rPr /><a:t> </a:t></a:r><a:r><a:rPr /><a:t>Athens</a:t></a:r><a:r><a:rPr /><a:t> </a:t></a:r><a:r><a:rPr /><a:t>and</a:t></a:r><a:r><a:rPr /><a:t> </a:t></a:r><a:r><a:rPr /><a:t>Griffin,</a:t></a:r><a:r><a:rPr /><a:t> </a:t></a:r><a:r><a:rPr /><a:t>GA.</a:t></a:r><a:r><a:rPr /><a:t> </a:t></a:r><a:r><a:rPr /><a:t>Statistical</a:t></a:r><a:r><a:rPr /><a:t> </a:t></a:r><a:r><a:rPr /><a:t>significance</a:t></a:r><a:r><a:rPr /><a:t> </a:t></a:r><a:r><a:rPr /><a:t>was</a:t></a:r><a:r><a:rPr /><a:t> </a:t></a:r><a:r><a:rPr /><a:t>determined</a:t></a:r><a:r><a:rPr /><a:t> </a:t></a:r><a:r><a:rPr /><a:t>using</a:t></a:r><a:r><a:rPr /><a:t> </a:t></a:r><a:r><a:rPr /><a:t>Tukey</a:t></a:r><a:r><a:rPr /><a:t> </a:t></a:r><a:r><a:rPr /><a:t>contrasts</a:t></a:r><a:r><a:rPr /><a:t> </a:t></a:r><a:r><a:rPr /><a:t>for</a:t></a:r><a:r><a:rPr /><a:t> </a:t></a:r><a:r><a:rPr /><a:t>multiple</a:t></a:r><a:r><a:rPr /><a:t> </a:t></a:r><a:r><a:rPr /><a:t>Comparisons</a:t></a:r><a:r><a:rPr /><a:t> </a:t></a:r><a:r><a:rPr /><a:t>of</a:t></a:r><a:r><a:rPr /><a:t> </a:t></a:r><a:r><a:rPr /><a:t>means.</a:t></a:r><a:r><a:rPr /><a:t> </a:t></a:r><a:r><a:rPr /><a:t>Groups</a:t></a:r><a:r><a:rPr /><a:t> </a:t></a:r><a:r><a:rPr /><a:t>which</a:t></a:r><a:r><a:rPr /><a:t> </a:t></a:r><a:r><a:rPr /><a:t>share</a:t></a:r><a:r><a:rPr /><a:t> </a:t></a:r><a:r><a:rPr /><a:t>letters</a:t></a:r><a:r><a:rPr /><a:t> </a:t></a:r><a:r><a:rPr /><a:t>are</a:t></a:r><a:r><a:rPr /><a:t> </a:t></a:r><a:r><a:rPr /><a:t>not</a:t></a:r><a:r><a:rPr /><a:t> </a:t></a:r><a:r><a:rPr /><a:t>statistically</a:t></a:r><a:r><a:rPr /><a:t> </a:t></a:r><a:r><a:rPr /><a:t>different</a:t></a:r><a:r><a:rPr /><a:t> </a:t></a:r><a:r><a:rPr /><a:t>from</a:t></a:r><a:r><a:rPr /><a:t> </a:t></a:r><a:r><a:rPr /><a:t>one</a:t></a:r><a:r><a:rPr /><a:t> </a:t></a:r><a:r><a:rPr /><a:t>another.</a:t></a:r><a:r><a:rPr /><a:t> </a:t></a:r><a14:m><m:oMath xmlns:m="http://schemas.openxmlformats.org/officeDocument/2006/math"><m:r><m:t>α</m:t></m:r><m:r><m:rPr><m:sty m:val="p" /></m:rPr><m:t>=</m:t></m:r><m:r><m:t>0.05</m:t></m:r></m:oMath></a14:m><a:r><a:rPr /><a:t>.</a:t></a:r><a:r><a:rPr /><a:t> </a:t></a:r><a:r><a:rPr /><a:t>water</a:t></a:r><a:r><a:rPr /><a:t> </a:t></a:r><a:r><a:rPr /><a:t>=</a:t></a:r><a:r><a:rPr /><a:t> </a:t></a:r><a:r><a:rPr /><a:t>Water</a:t></a:r><a:r><a:rPr /><a:t> </a:t></a:r><a:r><a:rPr /><a:t>Control,</a:t></a:r><a:r><a:rPr /><a:t> </a:t></a:r><a:r><a:rPr /><a:t>High</a:t></a:r><a:r><a:rPr /><a:t> </a:t></a:r><a:r><a:rPr /><a:t>=</a:t></a:r><a:r><a:rPr /><a:t> </a:t></a:r><a:r><a:rPr /><a:t>100</a:t></a:r><a:r><a:rPr /><a:t> </a:t></a:r><a:r><a:rPr /><a:t>/</a:t></a:r><a:r><a:rPr /><a:t> </a:t></a:r><a:r><a:rPr /><a:t>Actigard®</a:t></a:r><a:r><a:rPr /><a:t> </a:t></a:r><a:r><a:rPr /><a:t>50WG</a:t></a:r><a:r><a:rPr /><a:t> </a:t></a:r><a:r><a:rPr /><a:t>(Syngenta,</a:t></a:r><a:r><a:rPr /><a:t> </a:t></a:r><a:r><a:rPr /><a:t>Greensboro,</a:t></a:r><a:r><a:rPr /><a:t> </a:t></a:r><a:r><a:rPr /><a:t>NC,</a:t></a:r><a:r><a:rPr /><a:t> </a:t></a:r><a:r><a:rPr /><a:t>USA)</a:t></a:r><a:r><a:rPr /><a:t> </a:t></a:r><a:r><a:rPr /><a:t>acibenzolar-S-methyl</a:t></a:r><a:r><a:rPr /><a:t> </a:t></a:r><a:r><a:rPr /><a:t>(ASM),</a:t></a:r><a:r><a:rPr /><a:t> </a:t></a:r><a:r><a:rPr /><a:t>low</a:t></a:r><a:r><a:rPr /><a:t> </a:t></a:r><a:r><a:rPr /><a:t>=</a:t></a:r><a:r><a:rPr /><a:t> </a:t></a:r><a:r><a:rPr /><a:t>50</a:t></a:r><a:r><a:rPr /><a:t> </a:t></a:r><a:r><a:rPr /><a:t>/</a:t></a:r><a:r><a:rPr /><a:t> </a:t></a:r><a:r><a:rPr /><a:t>Actigard®</a:t></a:r><a:r><a:rPr /><a:t> </a:t></a:r><a:r><a:rPr /><a:t>50WG</a:t></a:r><a:r><a:rPr /><a:t> </a:t></a:r><a:r><a:rPr /><a:t>(Syngenta,</a:t></a:r><a:r><a:rPr /><a:t> </a:t></a:r><a:r><a:rPr /><a:t>Greensboro,</a:t></a:r><a:r><a:rPr /><a:t> </a:t></a:r><a:r><a:rPr /><a:t>NC,</a:t></a:r><a:r><a:rPr /><a:t> </a:t></a:r><a:r><a:rPr /><a:t>USA)</a:t></a:r><a:r><a:rPr /><a:t> </a:t></a:r><a:r><a:rPr /><a:t>acibenzolar-S-methyl</a:t></a:r><a:r><a:rPr /><a:t> </a:t></a:r><a:r><a:rPr /><a:t>(ASM),</a:t></a:r><a:r><a:rPr /><a:t> </a:t></a:r><a:r><a:rPr /><a:t>kontos</a:t></a:r><a:r><a:rPr /><a:t> </a:t></a:r><a:r><a:rPr /><a:t>=</a:t></a:r><a:r><a:rPr /><a:t> </a:t></a:r><a:r><a:rPr /><a:t>Kontos®</a:t></a:r><a:r><a:rPr /><a:t> </a:t></a:r><a:r><a:rPr /><a:t>Miticide</a:t></a:r><a:r><a:rPr /><a:t> </a:t></a:r><a:r><a:rPr /><a:t>Insecticide</a:t></a:r><a:r><a:rPr /><a:t> </a:t></a:r><a:r><a:rPr /><a:t>-</a:t></a:r><a:r><a:rPr /><a:t> </a:t></a:r><a:r><a:rPr /><a:t>Spirotetramat</a:t></a:r><a:r><a:rPr /><a:t> </a:t></a:r><a:r><a:rPr /><a:t>(Bayer</a:t></a:r><a:r><a:rPr /><a:t> </a:t></a:r><a:r><a:rPr /><a:t>Corporation,</a:t></a:r><a:r><a:rPr /><a:t> </a:t></a:r><a:r><a:rPr /><a:t>Whippany,</a:t></a:r><a:r><a:rPr /><a:t> </a:t></a:r><a:r><a:rPr /><a:t>New</a:t></a:r><a:r><a:rPr /><a:t> </a:t></a:r><a:r><a:rPr /><a:t>Jersey,</a:t></a:r><a:r><a:rPr /><a:t> </a:t></a:r><a:r><a:rPr /><a:t>USA),</a:t></a:r><a:r><a:rPr /><a:t> </a:t></a:r><a:r><a:rPr /><a:t>untreated</a:t></a:r><a:r><a:rPr /><a:t> </a:t></a:r><a:r><a:rPr /><a:t>=</a:t></a:r><a:r><a:rPr /><a:t> </a:t></a:r><a:r><a:rPr /><a:t>No</a:t></a:r><a:r><a:rPr /><a:t> </a:t></a:r><a:r><a:rPr /><a:t>treatment.</a:t></a:r><a:r><a:rPr /><a:t> </a:t></a:r><a:r><a:rPr /><a:t>All</a:t></a:r><a:r><a:rPr /><a:t> </a:t></a:r><a:r><a:rPr /><a:t>products</a:t></a:r><a:r><a:rPr /><a:t> </a:t></a:r><a:r><a:rPr /><a:t>were</a:t></a:r><a:r><a:rPr /><a:t> </a:t></a:r><a:r><a:rPr /><a:t>applied</a:t></a:r><a:r><a:rPr /><a:t> </a:t></a:r><a:r><a:rPr /><a:t>for</a:t></a:r><a:r><a:rPr /><a:t> </a:t></a:r><a:r><a:rPr /><a:t>12</a:t></a:r><a:r><a:rPr /><a:t> </a:t></a:r><a:r><a:rPr /><a:t>weeks.</a:t></a:r><a:r><a:rPr /><a:t> </a:t></a:r><a:r><a:rPr /><a:t>Flower</a:t></a:r><a:r><a:rPr /><a:t> </a:t></a:r><a:r><a:rPr /><a:t>cuttings</a:t></a:r><a:r><a:rPr /><a:t> </a:t></a:r><a:r><a:rPr /><a:t>were</a:t></a:r><a:r><a:rPr /><a:t> </a:t></a:r><a:r><a:rPr /><a:t>taken</a:t></a:r><a:r><a:rPr /><a:t> </a:t></a:r><a:r><a:rPr /><a:t>weekly</a:t></a:r><a:r><a:rPr /><a:t> </a:t></a:r><a:r><a:rPr /><a:t>to</a:t></a:r><a:r><a:rPr /><a:t> </a:t></a:r><a:r><a:rPr /><a:t>record</a:t></a:r><a:r><a:rPr /><a:t> </a:t></a:r><a:r><a:rPr /><a:t>the</a:t></a:r><a:r><a:rPr /><a:t> </a:t></a:r><a:r><a:rPr /><a:t>numbers</a:t></a:r><a:r><a:rPr /><a:t> </a:t></a:r><a:r><a:rPr /><a:t>of</a:t></a:r><a:r><a:rPr /><a:t> </a:t></a:r><a:r><a:rPr /><a:t>herbivorous</a:t></a:r><a:r><a:rPr /><a:t> </a:t></a:r><a:r><a:rPr /><a:t>mites.</a:t></a:r></a:p></p:txBody></p:sp></p:spTree></p:cSld></p:sld>
+</file>
+
+<file path=ppt/slides/slide7.xml><?xml version="1.0" encoding="utf-8"?>
+<p:sld xmlns:a="http://schemas.openxmlformats.org/drawingml/2006/main" xmlns:r="http://schemas.openxmlformats.org/officeDocument/2006/relationships" xmlns:p="http://schemas.openxmlformats.org/presentationml/2006/main">
+  <p:cSld>
+    <p:spTree>
+      <p:nvGrpSpPr>
+        <p:cNvPr id="1" name=""/>
+        <p:cNvGrpSpPr/>
+        <p:nvPr/>
+      </p:nvGrpSpPr>
+      <p:grpSpPr>
+        <a:xfrm>
+          <a:off x="0" y="0"/>
+          <a:ext cx="0" cy="0"/>
+          <a:chOff x="0" y="0"/>
+          <a:chExt cx="0" cy="0"/>
+        </a:xfrm>
+      </p:grpSpPr>
+      <p:sp>
+        <p:nvSpPr>
+          <p:cNvPr id="2" name="Title 1"/>
+          <p:cNvSpPr>
+            <a:spLocks noGrp="1"/>
+          </p:cNvSpPr>
+          <p:nvPr>
+            <p:ph type="title"/>
           </p:nvPr>
         </p:nvSpPr>
         <p:spPr/>
@@ -4117,38 +3862,16 @@
               <a:buNone/>
             </a:pPr>
             <a:r>
-              <a:rPr b="1"/>
-              <a:t>Monterrosa, A., F. B. Iriarte, M. L. Paret, and S. V. Joseph</a:t>
-            </a:r>
-            <a:r>
-              <a:rPr/>
-              <a:t>. </a:t>
-            </a:r>
-            <a:r>
-              <a:rPr b="1"/>
-              <a:t>2021</a:t>
-            </a:r>
-            <a:r>
-              <a:rPr/>
-              <a:t>. Effects of relative humidity on the vector of rose rosette disease, </a:t>
-            </a:r>
-            <a:r>
-              <a:rPr i="1"/>
-              <a:t>Phyllocoptes fructiphilus</a:t>
-            </a:r>
-            <a:r>
-              <a:rPr/>
-              <a:t> (eriophyidae), and incidence of disease symptoms. 104, DOI:</a:t>
-            </a:r>
-            <a:r>
-              <a:rPr>
-                <a:hlinkClick r:id="rId2"/>
-              </a:rPr>
-              <a:t>10.1653/024.104.0305</a:t>
-            </a:r>
-            <a:r>
-              <a:rPr/>
-              <a:t>.</a:t>
+              <a:rPr/>
+              <a:t>Results:</a:t>
+            </a:r>
+            <a:r>
+              <a:rPr/>
+              <a:t> </a:t>
+            </a:r>
+            <a:r>
+              <a:rPr/>
+              <a:t>So</a:t>
             </a:r>
           </a:p>
         </p:txBody>
